--- a/doc/s4ga-fig.pptx
+++ b/doc/s4ga-fig.pptx
@@ -27887,7 +27887,23 @@
           <a:p>
             <a:r>
               <a:rPr lang="en-US" b="1" dirty="0"/>
-              <a:t>S4GA: n=40 x=24 y=32 m=8 k=4 g=2</a:t>
+              <a:t>S4GA</a:t>
+            </a:r>
+            <a:r>
+              <a:rPr lang="en-US" b="1"/>
+              <a:t>: x=24 y=32 n</a:t>
+            </a:r>
+            <a:r>
+              <a:rPr lang="en-US" b="1" dirty="0"/>
+              <a:t>=</a:t>
+            </a:r>
+            <a:r>
+              <a:rPr lang="en-US" b="1"/>
+              <a:t>40 m</a:t>
+            </a:r>
+            <a:r>
+              <a:rPr lang="en-US" b="1" dirty="0"/>
+              <a:t>=8 k=4 g=2</a:t>
             </a:r>
             <a:br>
               <a:rPr lang="en-US" b="1" dirty="0"/>
